--- a/Razvoj ugradenih sustava.pptx
+++ b/Razvoj ugradenih sustava.pptx
@@ -127,7 +127,7 @@
   <p1510:revLst>
     <p1510:client id="{3B4B66D3-F404-3CB4-8483-6D3F7E6EB139}" v="281" dt="2025-04-30T10:08:32.686"/>
     <p1510:client id="{733C507A-AFC2-070E-CDCB-B6F6A2322F53}" v="300" dt="2025-04-30T08:56:59.687"/>
-    <p1510:client id="{B14669E0-B368-18FC-630F-AA67420F218E}" v="21" dt="2025-04-30T10:09:18.692"/>
+    <p1510:client id="{B14669E0-B368-18FC-630F-AA67420F218E}" v="105" dt="2025-04-30T13:46:32.438"/>
     <p1510:client id="{F06ECC68-C918-56F3-9956-69116C0D8E21}" v="254" dt="2025-04-30T08:37:13.940"/>
   </p1510:revLst>
 </p1510:revInfo>
@@ -3436,17 +3436,17 @@
           <a:lstStyle/>
           <a:p>
             <a:r>
-              <a:rPr lang="en-US">
+              <a:rPr lang="en-US" dirty="0">
                 <a:ea typeface="+mn-lt"/>
                 <a:cs typeface="+mn-lt"/>
               </a:rPr>
               <a:t>Autori: Dan Hamin, Zvonimir Mlinarić</a:t>
             </a:r>
-            <a:endParaRPr lang="en-US"/>
-          </a:p>
-          <a:p>
-            <a:r>
-              <a:rPr lang="en-US">
+            <a:endParaRPr lang="en-US" dirty="0"/>
+          </a:p>
+          <a:p>
+            <a:r>
+              <a:rPr lang="en-US" dirty="0">
                 <a:ea typeface="+mn-lt"/>
                 <a:cs typeface="+mn-lt"/>
               </a:rPr>
@@ -3460,13 +3460,42 @@
               <a:t>godina</a:t>
             </a:r>
             <a:r>
-              <a:rPr lang="en-US">
+              <a:rPr lang="en-US" dirty="0">
                 <a:ea typeface="+mn-lt"/>
                 <a:cs typeface="+mn-lt"/>
               </a:rPr>
               <a:t>: 2024./2025.</a:t>
             </a:r>
-            <a:endParaRPr lang="en-US"/>
+          </a:p>
+          <a:p>
+            <a:r>
+              <a:rPr lang="en-US" dirty="0" err="1"/>
+              <a:t>Predmet</a:t>
+            </a:r>
+            <a:r>
+              <a:rPr lang="en-US" dirty="0"/>
+              <a:t>: </a:t>
+            </a:r>
+            <a:r>
+              <a:rPr lang="en-US" dirty="0" err="1"/>
+              <a:t>Razvoj</a:t>
+            </a:r>
+            <a:r>
+              <a:rPr lang="en-US" dirty="0"/>
+              <a:t> </a:t>
+            </a:r>
+            <a:r>
+              <a:rPr lang="en-US" dirty="0" err="1"/>
+              <a:t>ugradbenih</a:t>
+            </a:r>
+            <a:r>
+              <a:rPr lang="en-US" dirty="0"/>
+              <a:t> </a:t>
+            </a:r>
+            <a:r>
+              <a:rPr lang="en-US" dirty="0" err="1"/>
+              <a:t>sustava</a:t>
+            </a:r>
           </a:p>
         </p:txBody>
       </p:sp>
@@ -3552,75 +3581,75 @@
           <a:lstStyle/>
           <a:p>
             <a:r>
-              <a:rPr lang="en-US" dirty="0">
+              <a:rPr lang="en-US">
                 <a:ea typeface="+mn-lt"/>
                 <a:cs typeface="+mn-lt"/>
               </a:rPr>
               <a:t>Projekt je </a:t>
             </a:r>
             <a:r>
-              <a:rPr lang="en-US" dirty="0" err="1">
+              <a:rPr lang="en-US" err="1">
                 <a:ea typeface="+mn-lt"/>
                 <a:cs typeface="+mn-lt"/>
               </a:rPr>
               <a:t>testiran</a:t>
             </a:r>
             <a:r>
-              <a:rPr lang="en-US" dirty="0">
-                <a:ea typeface="+mn-lt"/>
-                <a:cs typeface="+mn-lt"/>
-              </a:rPr>
-              <a:t> </a:t>
-            </a:r>
-            <a:r>
-              <a:rPr lang="en-US" dirty="0" err="1">
+              <a:rPr lang="en-US">
+                <a:ea typeface="+mn-lt"/>
+                <a:cs typeface="+mn-lt"/>
+              </a:rPr>
+              <a:t> </a:t>
+            </a:r>
+            <a:r>
+              <a:rPr lang="en-US" err="1">
                 <a:ea typeface="+mn-lt"/>
                 <a:cs typeface="+mn-lt"/>
               </a:rPr>
               <a:t>putem</a:t>
             </a:r>
             <a:r>
-              <a:rPr lang="en-US" dirty="0">
-                <a:ea typeface="+mn-lt"/>
-                <a:cs typeface="+mn-lt"/>
-              </a:rPr>
-              <a:t> </a:t>
-            </a:r>
-            <a:r>
-              <a:rPr lang="en-US" b="1" dirty="0" err="1">
+              <a:rPr lang="en-US">
+                <a:ea typeface="+mn-lt"/>
+                <a:cs typeface="+mn-lt"/>
+              </a:rPr>
+              <a:t> </a:t>
+            </a:r>
+            <a:r>
+              <a:rPr lang="en-US" b="1" err="1">
                 <a:ea typeface="+mn-lt"/>
                 <a:cs typeface="+mn-lt"/>
               </a:rPr>
               <a:t>Wokwi</a:t>
             </a:r>
             <a:r>
-              <a:rPr lang="en-US" b="1" dirty="0">
-                <a:ea typeface="+mn-lt"/>
-                <a:cs typeface="+mn-lt"/>
-              </a:rPr>
-              <a:t> </a:t>
-            </a:r>
-            <a:r>
-              <a:rPr lang="en-US" b="1" dirty="0" err="1">
+              <a:rPr lang="en-US" b="1">
+                <a:ea typeface="+mn-lt"/>
+                <a:cs typeface="+mn-lt"/>
+              </a:rPr>
+              <a:t> </a:t>
+            </a:r>
+            <a:r>
+              <a:rPr lang="en-US" b="1" err="1">
                 <a:ea typeface="+mn-lt"/>
                 <a:cs typeface="+mn-lt"/>
               </a:rPr>
               <a:t>simulacije</a:t>
             </a:r>
-            <a:endParaRPr lang="en-US" dirty="0" err="1">
+            <a:endParaRPr lang="en-US" err="1">
               <a:ea typeface="+mn-lt"/>
               <a:cs typeface="+mn-lt"/>
             </a:endParaRPr>
           </a:p>
           <a:p>
             <a:r>
-              <a:rPr lang="en-US" dirty="0">
+              <a:rPr lang="en-US">
                 <a:ea typeface="+mn-lt"/>
                 <a:cs typeface="+mn-lt"/>
               </a:rPr>
               <a:t>https://wokwi.com/projects/429320227133652993</a:t>
             </a:r>
-            <a:endParaRPr lang="en-US" b="1" dirty="0"/>
+            <a:endParaRPr lang="en-US" b="1"/>
           </a:p>
           <a:p>
             <a:endParaRPr lang="en-US"/>
@@ -5884,17 +5913,17 @@
         </p:blipFill>
         <p:spPr>
           <a:xfrm>
-            <a:off x="6098631" y="2779464"/>
-            <a:ext cx="4876800" cy="3276600"/>
+            <a:off x="5345813" y="2559126"/>
+            <a:ext cx="4895163" cy="3294961"/>
           </a:xfrm>
         </p:spPr>
       </p:pic>
       <p:pic>
         <p:nvPicPr>
-          <p:cNvPr id="5" name="Picture 4">
+          <p:cNvPr id="3" name="Picture 2" descr="A screen shot of a graph&#10;&#10;AI-generated content may be incorrect.">
             <a:extLst>
               <a:ext uri="{FF2B5EF4-FFF2-40B4-BE49-F238E27FC236}">
-                <a16:creationId xmlns:a16="http://schemas.microsoft.com/office/drawing/2014/main" id="{D9867515-D60E-F4D2-971A-3BCF9C8BD93D}"/>
+                <a16:creationId xmlns:a16="http://schemas.microsoft.com/office/drawing/2014/main" id="{5CAAEDF0-E3D0-7DAC-BF80-9A18376FDFFB}"/>
               </a:ext>
             </a:extLst>
           </p:cNvPr>
@@ -5905,14 +5934,13 @@
         </p:nvPicPr>
         <p:blipFill>
           <a:blip r:embed="rId3"/>
-          <a:stretch>
-            <a:fillRect/>
-          </a:stretch>
+          <a:srcRect l="2439" r="-488" b="649"/>
+          <a:stretch/>
         </p:blipFill>
         <p:spPr>
           <a:xfrm>
-            <a:off x="1207150" y="2775276"/>
-            <a:ext cx="4324350" cy="866775"/>
+            <a:off x="1554182" y="2558897"/>
+            <a:ext cx="1849153" cy="1400548"/>
           </a:xfrm>
           <a:prstGeom prst="rect">
             <a:avLst/>
@@ -6375,28 +6403,28 @@
           <a:lstStyle/>
           <a:p>
             <a:r>
-              <a:rPr lang="en-US">
+              <a:rPr lang="en-US" dirty="0">
                 <a:ea typeface="+mn-lt"/>
                 <a:cs typeface="+mn-lt"/>
               </a:rPr>
               <a:t>LCD </a:t>
             </a:r>
             <a:r>
-              <a:rPr lang="en-US" err="1">
+              <a:rPr lang="en-US" dirty="0" err="1">
                 <a:ea typeface="+mn-lt"/>
                 <a:cs typeface="+mn-lt"/>
               </a:rPr>
               <a:t>ekran</a:t>
             </a:r>
             <a:r>
-              <a:rPr lang="en-US">
+              <a:rPr lang="en-US" dirty="0">
                 <a:ea typeface="+mn-lt"/>
                 <a:cs typeface="+mn-lt"/>
               </a:rPr>
               <a:t> za status </a:t>
             </a:r>
             <a:r>
-              <a:rPr lang="en-US" err="1">
+              <a:rPr lang="en-US" dirty="0" err="1">
                 <a:ea typeface="+mn-lt"/>
                 <a:cs typeface="+mn-lt"/>
               </a:rPr>
@@ -6406,21 +6434,21 @@
           </a:p>
           <a:p>
             <a:r>
-              <a:rPr lang="en-US" err="1">
+              <a:rPr lang="en-US" dirty="0" err="1">
                 <a:ea typeface="+mn-lt"/>
                 <a:cs typeface="+mn-lt"/>
               </a:rPr>
               <a:t>Detekcija</a:t>
             </a:r>
             <a:r>
-              <a:rPr lang="en-US">
-                <a:ea typeface="+mn-lt"/>
-                <a:cs typeface="+mn-lt"/>
-              </a:rPr>
-              <a:t> </a:t>
-            </a:r>
-            <a:r>
-              <a:rPr lang="en-US" err="1">
+              <a:rPr lang="en-US" dirty="0">
+                <a:ea typeface="+mn-lt"/>
+                <a:cs typeface="+mn-lt"/>
+              </a:rPr>
+              <a:t> </a:t>
+            </a:r>
+            <a:r>
+              <a:rPr lang="en-US" dirty="0" err="1">
                 <a:ea typeface="+mn-lt"/>
                 <a:cs typeface="+mn-lt"/>
               </a:rPr>
@@ -6430,51 +6458,83 @@
           </a:p>
           <a:p>
             <a:r>
-              <a:rPr lang="en-US" err="1"/>
-              <a:t>Loggiranje</a:t>
-            </a:r>
-            <a:r>
-              <a:rPr lang="en-US"/>
-              <a:t> </a:t>
-            </a:r>
-            <a:r>
-              <a:rPr lang="en-US" err="1"/>
+              <a:rPr lang="en-US" dirty="0"/>
+              <a:t>Log </a:t>
+            </a:r>
+            <a:r>
+              <a:rPr lang="en-US" dirty="0" err="1"/>
               <a:t>podataka</a:t>
             </a:r>
             <a:r>
-              <a:rPr lang="en-US"/>
-              <a:t> </a:t>
-            </a:r>
-            <a:r>
-              <a:rPr lang="en-US" err="1"/>
+              <a:rPr lang="en-US" dirty="0"/>
+              <a:t> </a:t>
+            </a:r>
+            <a:r>
+              <a:rPr lang="en-US" dirty="0" err="1"/>
               <a:t>na</a:t>
             </a:r>
             <a:r>
-              <a:rPr lang="en-US"/>
+              <a:rPr lang="en-US" dirty="0"/>
               <a:t> SD </a:t>
             </a:r>
             <a:r>
-              <a:rPr lang="en-US" err="1"/>
+              <a:rPr lang="en-US" dirty="0" err="1"/>
               <a:t>karticu</a:t>
             </a:r>
             <a:endParaRPr lang="en-US"/>
           </a:p>
           <a:p>
             <a:r>
-              <a:rPr lang="en-US" err="1"/>
+              <a:rPr lang="en-US" dirty="0" err="1"/>
               <a:t>Aplikacija</a:t>
             </a:r>
             <a:r>
-              <a:rPr lang="en-US"/>
+              <a:rPr lang="en-US" dirty="0"/>
+              <a:t> </a:t>
+            </a:r>
+            <a:r>
+              <a:rPr lang="en-US" dirty="0" err="1"/>
+              <a:t>koja</a:t>
+            </a:r>
+            <a:r>
+              <a:rPr lang="en-US" dirty="0"/>
+              <a:t> </a:t>
+            </a:r>
+            <a:r>
+              <a:rPr lang="en-US" dirty="0" err="1"/>
+              <a:t>koristi</a:t>
+            </a:r>
+            <a:r>
+              <a:rPr lang="en-US" dirty="0"/>
+              <a:t> </a:t>
+            </a:r>
+            <a:r>
+              <a:rPr lang="en-US" dirty="0" err="1"/>
+              <a:t>bluetooth</a:t>
+            </a:r>
+            <a:r>
+              <a:rPr lang="en-US" dirty="0"/>
+              <a:t> </a:t>
+            </a:r>
+            <a:r>
+              <a:rPr lang="en-US" dirty="0" err="1"/>
+              <a:t>tehnologija</a:t>
+            </a:r>
+            <a:r>
+              <a:rPr lang="en-US" dirty="0"/>
+              <a:t> za </a:t>
+            </a:r>
+            <a:r>
+              <a:rPr lang="en-US" dirty="0" err="1"/>
+              <a:t>komunikaciju</a:t>
+            </a:r>
+            <a:r>
+              <a:rPr lang="en-US" dirty="0"/>
               <a:t> s </a:t>
             </a:r>
             <a:r>
-              <a:rPr lang="en-US" err="1"/>
-              <a:t>bluetooth</a:t>
-            </a:r>
-            <a:r>
-              <a:rPr lang="en-US"/>
-              <a:t>-om</a:t>
+              <a:rPr lang="en-US" dirty="0" err="1"/>
+              <a:t>uređajem</a:t>
             </a:r>
           </a:p>
         </p:txBody>

--- a/Razvoj ugradenih sustava.pptx
+++ b/Razvoj ugradenih sustava.pptx
@@ -3748,6 +3748,13 @@
             <a:schemeClr val="lt1"/>
           </a:fontRef>
         </p:style>
+        <p:txBody>
+          <a:bodyPr/>
+          <a:lstStyle/>
+          <a:p>
+            <a:endParaRPr lang="en-GB"/>
+          </a:p>
+        </p:txBody>
       </p:sp>
       <p:sp useBgFill="1">
         <p:nvSpPr>
@@ -6430,7 +6437,7 @@
               </a:rPr>
               <a:t>sustava</a:t>
             </a:r>
-            <a:endParaRPr lang="en-US" err="1"/>
+            <a:endParaRPr lang="en-US" dirty="0"/>
           </a:p>
           <a:p>
             <a:r>
@@ -6454,7 +6461,7 @@
               </a:rPr>
               <a:t>prepreka</a:t>
             </a:r>
-            <a:endParaRPr lang="en-US" err="1"/>
+            <a:endParaRPr lang="en-US" dirty="0"/>
           </a:p>
           <a:p>
             <a:r>
@@ -6481,7 +6488,7 @@
               <a:rPr lang="en-US" dirty="0" err="1"/>
               <a:t>karticu</a:t>
             </a:r>
-            <a:endParaRPr lang="en-US"/>
+            <a:endParaRPr lang="en-US" dirty="0"/>
           </a:p>
           <a:p>
             <a:r>
@@ -6518,11 +6525,19 @@
             </a:r>
             <a:r>
               <a:rPr lang="en-US" dirty="0" err="1"/>
-              <a:t>tehnologija</a:t>
+              <a:t>tehnologij</a:t>
+            </a:r>
+            <a:r>
+              <a:rPr lang="hr-HR"/>
+              <a:t>u</a:t>
+            </a:r>
+            <a:r>
+              <a:rPr lang="en-US"/>
+              <a:t> </a:t>
             </a:r>
             <a:r>
               <a:rPr lang="en-US" dirty="0"/>
-              <a:t> za </a:t>
+              <a:t>za </a:t>
             </a:r>
             <a:r>
               <a:rPr lang="en-US" dirty="0" err="1"/>
@@ -6536,6 +6551,7 @@
               <a:rPr lang="en-US" dirty="0" err="1"/>
               <a:t>uređajem</a:t>
             </a:r>
+            <a:endParaRPr lang="en-US" dirty="0"/>
           </a:p>
         </p:txBody>
       </p:sp>
